--- a/slides/ppt/00_Introduction.pptx
+++ b/slides/ppt/00_Introduction.pptx
@@ -5,7 +5,7 @@
     <p:sldMasterId id="2147483672" r:id="rId1"/>
   </p:sldMasterIdLst>
   <p:notesMasterIdLst>
-    <p:notesMasterId r:id="rId7"/>
+    <p:notesMasterId r:id="rId8"/>
   </p:notesMasterIdLst>
   <p:sldIdLst>
     <p:sldId id="256" r:id="rId2"/>
@@ -13,6 +13,7 @@
     <p:sldId id="257" r:id="rId4"/>
     <p:sldId id="260" r:id="rId5"/>
     <p:sldId id="258" r:id="rId6"/>
+    <p:sldId id="261" r:id="rId7"/>
   </p:sldIdLst>
   <p:sldSz cx="9144000" cy="6858000" type="screen4x3"/>
   <p:notesSz cx="6858000" cy="9144000"/>
@@ -113,7 +114,7 @@
   </p:defaultTextStyle>
   <p:extLst>
     <p:ext uri="{EFAFB233-063F-42B5-8137-9DF3F51BA10A}">
-      <p15:sldGuideLst xmlns:p15="http://schemas.microsoft.com/office/powerpoint/2012/main" xmlns="">
+      <p15:sldGuideLst xmlns:p15="http://schemas.microsoft.com/office/powerpoint/2012/main">
         <p15:guide id="1" orient="horz" pos="2160">
           <p15:clr>
             <a:srgbClr val="A4A3A4"/>
@@ -213,7 +214,7 @@
             <a:fld id="{BAEB7694-8561-4BE2-948D-EDF7A201F8BB}" type="datetimeFigureOut">
               <a:rPr lang="it-IT" smtClean="0"/>
               <a:pPr/>
-              <a:t>26/02/18</a:t>
+              <a:t>26/02/19</a:t>
             </a:fld>
             <a:endParaRPr lang="it-IT"/>
           </a:p>
@@ -279,38 +280,37 @@
           <a:p>
             <a:pPr lvl="0"/>
             <a:r>
-              <a:rPr lang="it-IT" smtClean="0"/>
+              <a:rPr lang="it-IT"/>
               <a:t>Fare clic per modificare stili del testo dello schema</a:t>
             </a:r>
           </a:p>
           <a:p>
             <a:pPr lvl="1"/>
             <a:r>
-              <a:rPr lang="it-IT" smtClean="0"/>
+              <a:rPr lang="it-IT"/>
               <a:t>Secondo livello</a:t>
             </a:r>
           </a:p>
           <a:p>
             <a:pPr lvl="2"/>
             <a:r>
-              <a:rPr lang="it-IT" smtClean="0"/>
+              <a:rPr lang="it-IT"/>
               <a:t>Terzo livello</a:t>
             </a:r>
           </a:p>
           <a:p>
             <a:pPr lvl="3"/>
             <a:r>
-              <a:rPr lang="it-IT" smtClean="0"/>
+              <a:rPr lang="it-IT"/>
               <a:t>Quarto livello</a:t>
             </a:r>
           </a:p>
           <a:p>
             <a:pPr lvl="4"/>
             <a:r>
-              <a:rPr lang="it-IT" smtClean="0"/>
+              <a:rPr lang="it-IT"/>
               <a:t>Quinto livello</a:t>
             </a:r>
-            <a:endParaRPr lang="it-IT"/>
           </a:p>
         </p:txBody>
       </p:sp>
@@ -522,7 +522,7 @@
           <a:lstStyle/>
           <a:p>
             <a:r>
-              <a:rPr lang="it-IT" smtClean="0"/>
+              <a:rPr lang="it-IT"/>
               <a:t>Click to edit Master title style</a:t>
             </a:r>
             <a:endParaRPr lang="en-US"/>
@@ -641,7 +641,7 @@
           </a:lstStyle>
           <a:p>
             <a:r>
-              <a:rPr lang="it-IT" smtClean="0"/>
+              <a:rPr lang="it-IT"/>
               <a:t>Click to edit Master subtitle style</a:t>
             </a:r>
             <a:endParaRPr lang="en-US"/>
@@ -771,7 +771,7 @@
           <a:lstStyle/>
           <a:p>
             <a:r>
-              <a:rPr lang="it-IT" smtClean="0"/>
+              <a:rPr lang="it-IT"/>
               <a:t>Click to edit Master title style</a:t>
             </a:r>
             <a:endParaRPr lang="en-US"/>
@@ -795,35 +795,35 @@
           <a:p>
             <a:pPr lvl="0"/>
             <a:r>
-              <a:rPr lang="it-IT" smtClean="0"/>
+              <a:rPr lang="it-IT"/>
               <a:t>Click to edit Master text styles</a:t>
             </a:r>
           </a:p>
           <a:p>
             <a:pPr lvl="1"/>
             <a:r>
-              <a:rPr lang="it-IT" smtClean="0"/>
+              <a:rPr lang="it-IT"/>
               <a:t>Second level</a:t>
             </a:r>
           </a:p>
           <a:p>
             <a:pPr lvl="2"/>
             <a:r>
-              <a:rPr lang="it-IT" smtClean="0"/>
+              <a:rPr lang="it-IT"/>
               <a:t>Third level</a:t>
             </a:r>
           </a:p>
           <a:p>
             <a:pPr lvl="3"/>
             <a:r>
-              <a:rPr lang="it-IT" smtClean="0"/>
+              <a:rPr lang="it-IT"/>
               <a:t>Fourth level</a:t>
             </a:r>
           </a:p>
           <a:p>
             <a:pPr lvl="4"/>
             <a:r>
-              <a:rPr lang="it-IT" smtClean="0"/>
+              <a:rPr lang="it-IT"/>
               <a:t>Fifth level</a:t>
             </a:r>
             <a:endParaRPr lang="en-US"/>
@@ -958,7 +958,7 @@
           <a:lstStyle/>
           <a:p>
             <a:r>
-              <a:rPr lang="it-IT" smtClean="0"/>
+              <a:rPr lang="it-IT"/>
               <a:t>Click to edit Master title style</a:t>
             </a:r>
             <a:endParaRPr lang="en-US"/>
@@ -987,35 +987,35 @@
           <a:p>
             <a:pPr lvl="0"/>
             <a:r>
-              <a:rPr lang="it-IT" smtClean="0"/>
+              <a:rPr lang="it-IT"/>
               <a:t>Click to edit Master text styles</a:t>
             </a:r>
           </a:p>
           <a:p>
             <a:pPr lvl="1"/>
             <a:r>
-              <a:rPr lang="it-IT" smtClean="0"/>
+              <a:rPr lang="it-IT"/>
               <a:t>Second level</a:t>
             </a:r>
           </a:p>
           <a:p>
             <a:pPr lvl="2"/>
             <a:r>
-              <a:rPr lang="it-IT" smtClean="0"/>
+              <a:rPr lang="it-IT"/>
               <a:t>Third level</a:t>
             </a:r>
           </a:p>
           <a:p>
             <a:pPr lvl="3"/>
             <a:r>
-              <a:rPr lang="it-IT" smtClean="0"/>
+              <a:rPr lang="it-IT"/>
               <a:t>Fourth level</a:t>
             </a:r>
           </a:p>
           <a:p>
             <a:pPr lvl="4"/>
             <a:r>
-              <a:rPr lang="it-IT" smtClean="0"/>
+              <a:rPr lang="it-IT"/>
               <a:t>Fifth level</a:t>
             </a:r>
             <a:endParaRPr lang="en-US"/>
@@ -1101,7 +1101,7 @@
           <a:lstStyle/>
           <a:p>
             <a:r>
-              <a:rPr lang="it-IT" smtClean="0"/>
+              <a:rPr lang="it-IT"/>
               <a:t>Click to edit Master title style</a:t>
             </a:r>
             <a:endParaRPr lang="en-US"/>
@@ -1125,35 +1125,35 @@
           <a:p>
             <a:pPr lvl="0"/>
             <a:r>
-              <a:rPr lang="it-IT" smtClean="0"/>
+              <a:rPr lang="it-IT"/>
               <a:t>Click to edit Master text styles</a:t>
             </a:r>
           </a:p>
           <a:p>
             <a:pPr lvl="1"/>
             <a:r>
-              <a:rPr lang="it-IT" smtClean="0"/>
+              <a:rPr lang="it-IT"/>
               <a:t>Second level</a:t>
             </a:r>
           </a:p>
           <a:p>
             <a:pPr lvl="2"/>
             <a:r>
-              <a:rPr lang="it-IT" smtClean="0"/>
+              <a:rPr lang="it-IT"/>
               <a:t>Third level</a:t>
             </a:r>
           </a:p>
           <a:p>
             <a:pPr lvl="3"/>
             <a:r>
-              <a:rPr lang="it-IT" smtClean="0"/>
+              <a:rPr lang="it-IT"/>
               <a:t>Fourth level</a:t>
             </a:r>
           </a:p>
           <a:p>
             <a:pPr lvl="4"/>
             <a:r>
-              <a:rPr lang="it-IT" smtClean="0"/>
+              <a:rPr lang="it-IT"/>
               <a:t>Fifth level</a:t>
             </a:r>
             <a:endParaRPr lang="en-US"/>
@@ -1292,7 +1292,7 @@
           </a:lstStyle>
           <a:p>
             <a:r>
-              <a:rPr lang="it-IT" smtClean="0"/>
+              <a:rPr lang="it-IT"/>
               <a:t>Click to edit Master title style</a:t>
             </a:r>
             <a:endParaRPr lang="en-US"/>
@@ -1412,7 +1412,7 @@
           <a:p>
             <a:pPr lvl="0"/>
             <a:r>
-              <a:rPr lang="it-IT" smtClean="0"/>
+              <a:rPr lang="it-IT"/>
               <a:t>Click to edit Master text styles</a:t>
             </a:r>
           </a:p>
@@ -1541,7 +1541,7 @@
           <a:lstStyle/>
           <a:p>
             <a:r>
-              <a:rPr lang="it-IT" smtClean="0"/>
+              <a:rPr lang="it-IT"/>
               <a:t>Click to edit Master title style</a:t>
             </a:r>
             <a:endParaRPr lang="en-US"/>
@@ -1598,35 +1598,35 @@
           <a:p>
             <a:pPr lvl="0"/>
             <a:r>
-              <a:rPr lang="it-IT" smtClean="0"/>
+              <a:rPr lang="it-IT"/>
               <a:t>Click to edit Master text styles</a:t>
             </a:r>
           </a:p>
           <a:p>
             <a:pPr lvl="1"/>
             <a:r>
-              <a:rPr lang="it-IT" smtClean="0"/>
+              <a:rPr lang="it-IT"/>
               <a:t>Second level</a:t>
             </a:r>
           </a:p>
           <a:p>
             <a:pPr lvl="2"/>
             <a:r>
-              <a:rPr lang="it-IT" smtClean="0"/>
+              <a:rPr lang="it-IT"/>
               <a:t>Third level</a:t>
             </a:r>
           </a:p>
           <a:p>
             <a:pPr lvl="3"/>
             <a:r>
-              <a:rPr lang="it-IT" smtClean="0"/>
+              <a:rPr lang="it-IT"/>
               <a:t>Fourth level</a:t>
             </a:r>
           </a:p>
           <a:p>
             <a:pPr lvl="4"/>
             <a:r>
-              <a:rPr lang="it-IT" smtClean="0"/>
+              <a:rPr lang="it-IT"/>
               <a:t>Fifth level</a:t>
             </a:r>
             <a:endParaRPr lang="en-US"/>
@@ -1683,35 +1683,35 @@
           <a:p>
             <a:pPr lvl="0"/>
             <a:r>
-              <a:rPr lang="it-IT" smtClean="0"/>
+              <a:rPr lang="it-IT"/>
               <a:t>Click to edit Master text styles</a:t>
             </a:r>
           </a:p>
           <a:p>
             <a:pPr lvl="1"/>
             <a:r>
-              <a:rPr lang="it-IT" smtClean="0"/>
+              <a:rPr lang="it-IT"/>
               <a:t>Second level</a:t>
             </a:r>
           </a:p>
           <a:p>
             <a:pPr lvl="2"/>
             <a:r>
-              <a:rPr lang="it-IT" smtClean="0"/>
+              <a:rPr lang="it-IT"/>
               <a:t>Third level</a:t>
             </a:r>
           </a:p>
           <a:p>
             <a:pPr lvl="3"/>
             <a:r>
-              <a:rPr lang="it-IT" smtClean="0"/>
+              <a:rPr lang="it-IT"/>
               <a:t>Fourth level</a:t>
             </a:r>
           </a:p>
           <a:p>
             <a:pPr lvl="4"/>
             <a:r>
-              <a:rPr lang="it-IT" smtClean="0"/>
+              <a:rPr lang="it-IT"/>
               <a:t>Fifth level</a:t>
             </a:r>
             <a:endParaRPr lang="en-US"/>
@@ -1845,7 +1845,7 @@
           </a:lstStyle>
           <a:p>
             <a:r>
-              <a:rPr lang="it-IT" smtClean="0"/>
+              <a:rPr lang="it-IT"/>
               <a:t>Click to edit Master title style</a:t>
             </a:r>
             <a:endParaRPr lang="en-US"/>
@@ -1911,7 +1911,7 @@
           <a:p>
             <a:pPr lvl="0"/>
             <a:r>
-              <a:rPr lang="it-IT" smtClean="0"/>
+              <a:rPr lang="it-IT"/>
               <a:t>Click to edit Master text styles</a:t>
             </a:r>
           </a:p>
@@ -1967,35 +1967,35 @@
           <a:p>
             <a:pPr lvl="0"/>
             <a:r>
-              <a:rPr lang="it-IT" smtClean="0"/>
+              <a:rPr lang="it-IT"/>
               <a:t>Click to edit Master text styles</a:t>
             </a:r>
           </a:p>
           <a:p>
             <a:pPr lvl="1"/>
             <a:r>
-              <a:rPr lang="it-IT" smtClean="0"/>
+              <a:rPr lang="it-IT"/>
               <a:t>Second level</a:t>
             </a:r>
           </a:p>
           <a:p>
             <a:pPr lvl="2"/>
             <a:r>
-              <a:rPr lang="it-IT" smtClean="0"/>
+              <a:rPr lang="it-IT"/>
               <a:t>Third level</a:t>
             </a:r>
           </a:p>
           <a:p>
             <a:pPr lvl="3"/>
             <a:r>
-              <a:rPr lang="it-IT" smtClean="0"/>
+              <a:rPr lang="it-IT"/>
               <a:t>Fourth level</a:t>
             </a:r>
           </a:p>
           <a:p>
             <a:pPr lvl="4"/>
             <a:r>
-              <a:rPr lang="it-IT" smtClean="0"/>
+              <a:rPr lang="it-IT"/>
               <a:t>Fifth level</a:t>
             </a:r>
             <a:endParaRPr lang="en-US"/>
@@ -2061,7 +2061,7 @@
           <a:p>
             <a:pPr lvl="0"/>
             <a:r>
-              <a:rPr lang="it-IT" smtClean="0"/>
+              <a:rPr lang="it-IT"/>
               <a:t>Click to edit Master text styles</a:t>
             </a:r>
           </a:p>
@@ -2117,35 +2117,35 @@
           <a:p>
             <a:pPr lvl="0"/>
             <a:r>
-              <a:rPr lang="it-IT" smtClean="0"/>
+              <a:rPr lang="it-IT"/>
               <a:t>Click to edit Master text styles</a:t>
             </a:r>
           </a:p>
           <a:p>
             <a:pPr lvl="1"/>
             <a:r>
-              <a:rPr lang="it-IT" smtClean="0"/>
+              <a:rPr lang="it-IT"/>
               <a:t>Second level</a:t>
             </a:r>
           </a:p>
           <a:p>
             <a:pPr lvl="2"/>
             <a:r>
-              <a:rPr lang="it-IT" smtClean="0"/>
+              <a:rPr lang="it-IT"/>
               <a:t>Third level</a:t>
             </a:r>
           </a:p>
           <a:p>
             <a:pPr lvl="3"/>
             <a:r>
-              <a:rPr lang="it-IT" smtClean="0"/>
+              <a:rPr lang="it-IT"/>
               <a:t>Fourth level</a:t>
             </a:r>
           </a:p>
           <a:p>
             <a:pPr lvl="4"/>
             <a:r>
-              <a:rPr lang="it-IT" smtClean="0"/>
+              <a:rPr lang="it-IT"/>
               <a:t>Fifth level</a:t>
             </a:r>
             <a:endParaRPr lang="en-US"/>
@@ -2275,7 +2275,7 @@
           <a:lstStyle/>
           <a:p>
             <a:r>
-              <a:rPr lang="it-IT" smtClean="0"/>
+              <a:rPr lang="it-IT"/>
               <a:t>Click to edit Master title style</a:t>
             </a:r>
             <a:endParaRPr lang="en-US"/>
@@ -2477,7 +2477,7 @@
           </a:lstStyle>
           <a:p>
             <a:r>
-              <a:rPr lang="it-IT" smtClean="0"/>
+              <a:rPr lang="it-IT"/>
               <a:t>Click to edit Master title style</a:t>
             </a:r>
             <a:endParaRPr lang="en-US"/>
@@ -2534,35 +2534,35 @@
           <a:p>
             <a:pPr lvl="0"/>
             <a:r>
-              <a:rPr lang="it-IT" smtClean="0"/>
+              <a:rPr lang="it-IT"/>
               <a:t>Click to edit Master text styles</a:t>
             </a:r>
           </a:p>
           <a:p>
             <a:pPr lvl="1"/>
             <a:r>
-              <a:rPr lang="it-IT" smtClean="0"/>
+              <a:rPr lang="it-IT"/>
               <a:t>Second level</a:t>
             </a:r>
           </a:p>
           <a:p>
             <a:pPr lvl="2"/>
             <a:r>
-              <a:rPr lang="it-IT" smtClean="0"/>
+              <a:rPr lang="it-IT"/>
               <a:t>Third level</a:t>
             </a:r>
           </a:p>
           <a:p>
             <a:pPr lvl="3"/>
             <a:r>
-              <a:rPr lang="it-IT" smtClean="0"/>
+              <a:rPr lang="it-IT"/>
               <a:t>Fourth level</a:t>
             </a:r>
           </a:p>
           <a:p>
             <a:pPr lvl="4"/>
             <a:r>
-              <a:rPr lang="it-IT" smtClean="0"/>
+              <a:rPr lang="it-IT"/>
               <a:t>Fifth level</a:t>
             </a:r>
             <a:endParaRPr lang="en-US"/>
@@ -2628,7 +2628,7 @@
           <a:p>
             <a:pPr lvl="0"/>
             <a:r>
-              <a:rPr lang="it-IT" smtClean="0"/>
+              <a:rPr lang="it-IT"/>
               <a:t>Click to edit Master text styles</a:t>
             </a:r>
           </a:p>
@@ -2722,7 +2722,7 @@
           </a:lstStyle>
           <a:p>
             <a:r>
-              <a:rPr lang="it-IT" smtClean="0"/>
+              <a:rPr lang="it-IT"/>
               <a:t>Click to edit Master title style</a:t>
             </a:r>
             <a:endParaRPr lang="en-US"/>
@@ -2787,7 +2787,7 @@
           </a:lstStyle>
           <a:p>
             <a:r>
-              <a:rPr lang="it-IT" smtClean="0"/>
+              <a:rPr lang="it-IT"/>
               <a:t>Drag picture to placeholder or click icon to add</a:t>
             </a:r>
             <a:endParaRPr lang="en-US"/>
@@ -2853,7 +2853,7 @@
           <a:p>
             <a:pPr lvl="0"/>
             <a:r>
-              <a:rPr lang="it-IT" smtClean="0"/>
+              <a:rPr lang="it-IT"/>
               <a:t>Click to edit Master text styles</a:t>
             </a:r>
           </a:p>
@@ -2997,7 +2997,7 @@
           <a:lstStyle/>
           <a:p>
             <a:r>
-              <a:rPr lang="it-IT" smtClean="0"/>
+              <a:rPr lang="it-IT"/>
               <a:t>Click to edit Master title style</a:t>
             </a:r>
             <a:endParaRPr lang="en-US" dirty="0"/>
@@ -3031,35 +3031,35 @@
           <a:p>
             <a:pPr lvl="0"/>
             <a:r>
-              <a:rPr lang="it-IT" smtClean="0"/>
+              <a:rPr lang="it-IT"/>
               <a:t>Click to edit Master text styles</a:t>
             </a:r>
           </a:p>
           <a:p>
             <a:pPr lvl="1"/>
             <a:r>
-              <a:rPr lang="it-IT" smtClean="0"/>
+              <a:rPr lang="it-IT"/>
               <a:t>Second level</a:t>
             </a:r>
           </a:p>
           <a:p>
             <a:pPr lvl="2"/>
             <a:r>
-              <a:rPr lang="it-IT" smtClean="0"/>
+              <a:rPr lang="it-IT"/>
               <a:t>Third level</a:t>
             </a:r>
           </a:p>
           <a:p>
             <a:pPr lvl="3"/>
             <a:r>
-              <a:rPr lang="it-IT" smtClean="0"/>
+              <a:rPr lang="it-IT"/>
               <a:t>Fourth level</a:t>
             </a:r>
           </a:p>
           <a:p>
             <a:pPr lvl="4"/>
             <a:r>
-              <a:rPr lang="it-IT" smtClean="0"/>
+              <a:rPr lang="it-IT"/>
               <a:t>Fifth level</a:t>
             </a:r>
             <a:endParaRPr lang="en-US" dirty="0"/>
@@ -3468,18 +3468,17 @@
           <a:lstStyle/>
           <a:p>
             <a:r>
-              <a:rPr lang="it-IT" dirty="0" smtClean="0"/>
+              <a:rPr lang="it-IT" dirty="0"/>
               <a:t>Object </a:t>
             </a:r>
             <a:r>
-              <a:rPr lang="it-IT" dirty="0" err="1" smtClean="0"/>
+              <a:rPr lang="it-IT" dirty="0" err="1"/>
               <a:t>Oriented</a:t>
             </a:r>
             <a:r>
-              <a:rPr lang="it-IT" dirty="0" smtClean="0"/>
+              <a:rPr lang="it-IT" dirty="0"/>
               <a:t> Programming</a:t>
             </a:r>
-            <a:endParaRPr lang="it-IT" dirty="0"/>
           </a:p>
         </p:txBody>
       </p:sp>
@@ -3545,13 +3544,6 @@
   <p:clrMapOvr>
     <a:masterClrMapping/>
   </p:clrMapOvr>
-  <p:timing>
-    <p:tnLst>
-      <p:par>
-        <p:cTn xmlns:p14="http://schemas.microsoft.com/office/powerpoint/2010/main" id="1" dur="indefinite" restart="never" nodeType="tmRoot"/>
-      </p:par>
-    </p:tnLst>
-  </p:timing>
 </p:sld>
 </file>
 
@@ -3588,10 +3580,9 @@
           <a:lstStyle/>
           <a:p>
             <a:r>
-              <a:rPr lang="en-US" dirty="0" smtClean="0"/>
+              <a:rPr lang="en-US" dirty="0"/>
               <a:t>What?</a:t>
             </a:r>
-            <a:endParaRPr lang="en-US" dirty="0"/>
           </a:p>
         </p:txBody>
       </p:sp>
@@ -3611,20 +3602,15 @@
           <a:lstStyle/>
           <a:p>
             <a:r>
-              <a:rPr lang="en-US" dirty="0" smtClean="0"/>
+              <a:rPr lang="en-US" dirty="0"/>
               <a:t>The Object Oriented paradigm is the de facto standard for industrial software engineering</a:t>
             </a:r>
           </a:p>
           <a:p>
             <a:r>
-              <a:rPr lang="en-US" dirty="0" smtClean="0"/>
-              <a:t>OOP followed Procedural Programming due to serious limitations affecting large-scale </a:t>
-            </a:r>
-            <a:r>
-              <a:rPr lang="en-US" dirty="0" err="1" smtClean="0"/>
-              <a:t>projectes</a:t>
-            </a:r>
-            <a:endParaRPr lang="en-US" dirty="0" smtClean="0"/>
+              <a:rPr lang="en-US" b="1" dirty="0"/>
+              <a:t>OOP followed Procedural Programming due to serious limitations affecting large-scale projects</a:t>
+            </a:r>
           </a:p>
           <a:p>
             <a:endParaRPr lang="en-US" dirty="0"/>
@@ -3701,10 +3687,9 @@
           <a:lstStyle/>
           <a:p>
             <a:r>
-              <a:rPr lang="en-US" dirty="0" smtClean="0"/>
+              <a:rPr lang="en-US" dirty="0"/>
               <a:t>Why?</a:t>
             </a:r>
-            <a:endParaRPr lang="en-US" dirty="0"/>
           </a:p>
         </p:txBody>
       </p:sp>
@@ -3733,22 +3718,10 @@
             </a:r>
             <a:r>
               <a:rPr lang="en-US" dirty="0"/>
-              <a:t>requires </a:t>
-            </a:r>
-            <a:r>
-              <a:rPr lang="en-US" dirty="0" smtClean="0"/>
-              <a:t>an </a:t>
-            </a:r>
-            <a:r>
-              <a:rPr lang="en-US" dirty="0"/>
-              <a:t>OO </a:t>
-            </a:r>
-            <a:r>
-              <a:rPr lang="en-US" dirty="0" smtClean="0"/>
-              <a:t>language such as Java, C#, Python</a:t>
-            </a:r>
-            <a:r>
-              <a:rPr lang="mr-IN" dirty="0" smtClean="0"/>
+              <a:t>requires an OO language such as Java, C++, C#, Python</a:t>
+            </a:r>
+            <a:r>
+              <a:rPr lang="mr-IN" dirty="0"/>
               <a:t>…</a:t>
             </a:r>
             <a:endParaRPr lang="en-US" dirty="0"/>
@@ -3828,10 +3801,9 @@
           <a:lstStyle/>
           <a:p>
             <a:r>
-              <a:rPr lang="en-US" dirty="0" smtClean="0"/>
+              <a:rPr lang="en-US" dirty="0"/>
               <a:t>How?</a:t>
             </a:r>
-            <a:endParaRPr lang="en-US" dirty="0"/>
           </a:p>
         </p:txBody>
       </p:sp>
@@ -3853,8 +3825,8 @@
           <a:lstStyle/>
           <a:p>
             <a:r>
-              <a:rPr lang="en-US" dirty="0" smtClean="0"/>
-              <a:t>Java 7</a:t>
+              <a:rPr lang="en-US" dirty="0"/>
+              <a:t>Java 8</a:t>
             </a:r>
           </a:p>
           <a:p>
@@ -3863,20 +3835,14 @@
               <a:rPr lang="en-US" sz="2000" dirty="0">
                 <a:hlinkClick r:id="rId2"/>
               </a:rPr>
-              <a:t>https://java.com/en/download</a:t>
-            </a:r>
-            <a:r>
-              <a:rPr lang="en-US" sz="2000" dirty="0" smtClean="0">
-                <a:hlinkClick r:id="rId2"/>
-              </a:rPr>
-              <a:t>/</a:t>
-            </a:r>
-            <a:endParaRPr lang="en-US" sz="2000" dirty="0" smtClean="0"/>
-          </a:p>
-          <a:p>
-            <a:r>
-              <a:rPr lang="en-US" dirty="0" smtClean="0"/>
-              <a:t>Java 7 Documentation</a:t>
+              <a:t>https://java.com/en/download/</a:t>
+            </a:r>
+            <a:endParaRPr lang="en-US" sz="2000" dirty="0"/>
+          </a:p>
+          <a:p>
+            <a:r>
+              <a:rPr lang="en-US" dirty="0"/>
+              <a:t>Java 8 Documentation</a:t>
             </a:r>
           </a:p>
           <a:p>
@@ -3899,7 +3865,7 @@
             </a:r>
             <a:r>
               <a:rPr lang="en-US" sz="2000" dirty="0"/>
-              <a:t>/7/docs/</a:t>
+              <a:t>/8/docs/</a:t>
             </a:r>
             <a:r>
               <a:rPr lang="en-US" sz="2000" dirty="0" err="1"/>
@@ -3907,48 +3873,24 @@
             </a:r>
             <a:r>
               <a:rPr lang="en-US" sz="2000" dirty="0"/>
-              <a:t>/</a:t>
-            </a:r>
-            <a:endParaRPr lang="en-US" sz="2000" dirty="0" smtClean="0"/>
+              <a:t>/ </a:t>
+            </a:r>
           </a:p>
           <a:p>
             <a:r>
               <a:rPr lang="en-US" dirty="0"/>
-              <a:t>Eclipse IDE for Java </a:t>
-            </a:r>
-            <a:r>
-              <a:rPr lang="en-US" dirty="0" smtClean="0"/>
-              <a:t>Developers</a:t>
+              <a:t>IDE for Java</a:t>
             </a:r>
           </a:p>
           <a:p>
             <a:pPr lvl="1"/>
             <a:r>
-              <a:rPr lang="en-US" sz="2000" dirty="0" smtClean="0"/>
-              <a:t>https</a:t>
-            </a:r>
-            <a:r>
-              <a:rPr lang="en-US" sz="2000" dirty="0"/>
-              <a:t>://</a:t>
-            </a:r>
-            <a:r>
-              <a:rPr lang="en-US" sz="2000" dirty="0" err="1"/>
-              <a:t>www.eclipse.org</a:t>
-            </a:r>
-            <a:r>
-              <a:rPr lang="en-US" sz="2000" dirty="0"/>
-              <a:t>/downloads</a:t>
-            </a:r>
-            <a:r>
-              <a:rPr lang="en-US" sz="2000" dirty="0" smtClean="0"/>
-              <a:t>/</a:t>
-            </a:r>
-          </a:p>
-          <a:p>
-            <a:r>
-              <a:rPr lang="en-US" dirty="0" smtClean="0"/>
-              <a:t>Course Material </a:t>
-            </a:r>
+              <a:rPr lang="en-US" sz="2000" dirty="0">
+                <a:hlinkClick r:id="rId3"/>
+              </a:rPr>
+              <a:t>https://www.eclipse.org/</a:t>
+            </a:r>
+            <a:endParaRPr lang="en-US" sz="2000" dirty="0"/>
           </a:p>
           <a:p>
             <a:pPr lvl="1"/>
@@ -3958,26 +3900,41 @@
             </a:r>
             <a:r>
               <a:rPr lang="en-US" sz="2000" dirty="0" err="1"/>
-              <a:t>bitbucket.org</a:t>
+              <a:t>www.jetbrains.com</a:t>
             </a:r>
             <a:r>
               <a:rPr lang="en-US" sz="2000" dirty="0"/>
-              <a:t>/account/user/</a:t>
+              <a:t>/idea/</a:t>
+            </a:r>
+          </a:p>
+          <a:p>
+            <a:r>
+              <a:rPr lang="en-US" dirty="0"/>
+              <a:t>Course Material </a:t>
+            </a:r>
+          </a:p>
+          <a:p>
+            <a:pPr lvl="1"/>
+            <a:r>
+              <a:rPr lang="en-US" sz="2000" dirty="0"/>
+              <a:t>https://</a:t>
             </a:r>
             <a:r>
               <a:rPr lang="en-US" sz="2000" dirty="0" err="1"/>
-              <a:t>agr_unimore</a:t>
+              <a:t>github.com</a:t>
             </a:r>
             <a:r>
               <a:rPr lang="en-US" sz="2000" dirty="0"/>
-              <a:t>/projects/TCH</a:t>
-            </a:r>
-          </a:p>
-          <a:p>
-            <a:endParaRPr lang="en-US" dirty="0" smtClean="0"/>
-          </a:p>
-          <a:p>
-            <a:endParaRPr lang="en-US" dirty="0" smtClean="0"/>
+              <a:t>/</a:t>
+            </a:r>
+            <a:r>
+              <a:rPr lang="en-US" sz="2000" dirty="0" err="1"/>
+              <a:t>nbicocchi</a:t>
+            </a:r>
+            <a:endParaRPr lang="en-US" dirty="0"/>
+          </a:p>
+          <a:p>
+            <a:endParaRPr lang="en-US" dirty="0"/>
           </a:p>
         </p:txBody>
       </p:sp>
@@ -4051,10 +4008,9 @@
           <a:lstStyle/>
           <a:p>
             <a:r>
-              <a:rPr lang="en-US" dirty="0" smtClean="0"/>
+              <a:rPr lang="en-US" dirty="0"/>
               <a:t>When?</a:t>
             </a:r>
-            <a:endParaRPr lang="en-US" dirty="0"/>
           </a:p>
         </p:txBody>
       </p:sp>
@@ -4070,70 +4026,63 @@
         </p:nvSpPr>
         <p:spPr/>
         <p:txBody>
-          <a:bodyPr/>
+          <a:bodyPr>
+            <a:normAutofit/>
+          </a:bodyPr>
           <a:lstStyle/>
           <a:p>
             <a:r>
-              <a:rPr lang="en-US" dirty="0" smtClean="0"/>
-              <a:t>On Tuesdays (8.30 </a:t>
-            </a:r>
-            <a:r>
-              <a:rPr lang="mr-IN" dirty="0" smtClean="0"/>
+              <a:rPr lang="en-US" b="1" dirty="0"/>
+              <a:t>On Wednesdays (9 </a:t>
+            </a:r>
+            <a:r>
+              <a:rPr lang="mr-IN" b="1" dirty="0"/>
               <a:t>–</a:t>
             </a:r>
             <a:r>
-              <a:rPr lang="en-US" dirty="0" smtClean="0"/>
-              <a:t> 11, FA-2G)</a:t>
-            </a:r>
-            <a:r>
-              <a:rPr lang="en-US" dirty="0" smtClean="0"/>
-              <a:t>, we will have a 30 minutes recap of the previous week and 2h of computer exercise (using your laptops!)</a:t>
-            </a:r>
-          </a:p>
-          <a:p>
-            <a:r>
-              <a:rPr lang="en-US" dirty="0" smtClean="0"/>
-              <a:t>On Wednesdays (9.15 </a:t>
-            </a:r>
-            <a:r>
-              <a:rPr lang="mr-IN" dirty="0" smtClean="0"/>
+              <a:rPr lang="en-US" b="1" dirty="0"/>
+              <a:t> 11, FA-OC), </a:t>
+            </a:r>
+            <a:r>
+              <a:rPr lang="en-US" dirty="0"/>
+              <a:t>we will introduce new topics </a:t>
+            </a:r>
+          </a:p>
+          <a:p>
+            <a:r>
+              <a:rPr lang="en-US" b="1" dirty="0"/>
+              <a:t>On Thursday (16 </a:t>
+            </a:r>
+            <a:r>
+              <a:rPr lang="mr-IN" b="1" dirty="0"/>
               <a:t>–</a:t>
             </a:r>
             <a:r>
+              <a:rPr lang="en-US" b="1" dirty="0"/>
+              <a:t> 19, FA-2F), </a:t>
+            </a:r>
+            <a:r>
               <a:rPr lang="en-US" dirty="0"/>
-              <a:t> 11, FA-2G)</a:t>
-            </a:r>
-            <a:r>
-              <a:rPr lang="en-US" dirty="0" smtClean="0"/>
-              <a:t>, we will introduce new </a:t>
-            </a:r>
-            <a:r>
-              <a:rPr lang="en-US" dirty="0" smtClean="0"/>
-              <a:t>topics</a:t>
-            </a:r>
-          </a:p>
-          <a:p>
-            <a:r>
-              <a:rPr lang="en-US" dirty="0" smtClean="0"/>
+              <a:t>we will have a 30 minutes recap of recent topics and 2h of lab exercises</a:t>
+            </a:r>
+          </a:p>
+          <a:p>
+            <a:r>
+              <a:rPr lang="en-US" b="1" dirty="0"/>
               <a:t>On Wednesday (11 </a:t>
             </a:r>
             <a:r>
-              <a:rPr lang="mr-IN" dirty="0" smtClean="0"/>
+              <a:rPr lang="mr-IN" b="1" dirty="0"/>
               <a:t>–</a:t>
             </a:r>
             <a:r>
-              <a:rPr lang="en-US" dirty="0" smtClean="0"/>
-              <a:t> 13, </a:t>
+              <a:rPr lang="en-US" b="1" dirty="0"/>
+              <a:t> 13, I Floor MO27), </a:t>
             </a:r>
             <a:r>
               <a:rPr lang="en-US" dirty="0"/>
-              <a:t>1</a:t>
-            </a:r>
-            <a:r>
-              <a:rPr lang="en-US" dirty="0" smtClean="0"/>
-              <a:t> Floor MO27), I will be available for discussions about the projects and course topics</a:t>
-            </a:r>
-            <a:endParaRPr lang="en-US" dirty="0"/>
+              <a:t>I will be available for discussions about the projects and course topics</a:t>
+            </a:r>
           </a:p>
         </p:txBody>
       </p:sp>
@@ -4165,6 +4114,276 @@
     <p:extLst>
       <p:ext uri="{BB962C8B-B14F-4D97-AF65-F5344CB8AC3E}">
         <p14:creationId xmlns:p14="http://schemas.microsoft.com/office/powerpoint/2010/main" val="604498312"/>
+      </p:ext>
+    </p:extLst>
+  </p:cSld>
+  <p:clrMapOvr>
+    <a:masterClrMapping/>
+  </p:clrMapOvr>
+</p:sld>
+</file>
+
+<file path=ppt/slides/slide6.xml><?xml version="1.0" encoding="utf-8"?>
+<p:sld xmlns:a="http://schemas.openxmlformats.org/drawingml/2006/main" xmlns:r="http://schemas.openxmlformats.org/officeDocument/2006/relationships" xmlns:p="http://schemas.openxmlformats.org/presentationml/2006/main">
+  <p:cSld>
+    <p:spTree>
+      <p:nvGrpSpPr>
+        <p:cNvPr id="1" name=""/>
+        <p:cNvGrpSpPr/>
+        <p:nvPr/>
+      </p:nvGrpSpPr>
+      <p:grpSpPr>
+        <a:xfrm>
+          <a:off x="0" y="0"/>
+          <a:ext cx="0" cy="0"/>
+          <a:chOff x="0" y="0"/>
+          <a:chExt cx="0" cy="0"/>
+        </a:xfrm>
+      </p:grpSpPr>
+      <p:sp>
+        <p:nvSpPr>
+          <p:cNvPr id="2" name="Title 1">
+            <a:extLst>
+              <a:ext uri="{FF2B5EF4-FFF2-40B4-BE49-F238E27FC236}">
+                <a16:creationId xmlns:a16="http://schemas.microsoft.com/office/drawing/2014/main" id="{E32A834F-D5FE-0041-9130-A1308D49B5FE}"/>
+              </a:ext>
+            </a:extLst>
+          </p:cNvPr>
+          <p:cNvSpPr>
+            <a:spLocks noGrp="1"/>
+          </p:cNvSpPr>
+          <p:nvPr>
+            <p:ph type="title"/>
+          </p:nvPr>
+        </p:nvSpPr>
+        <p:spPr/>
+        <p:txBody>
+          <a:bodyPr/>
+          <a:lstStyle/>
+          <a:p>
+            <a:r>
+              <a:rPr lang="it-IT" dirty="0" err="1"/>
+              <a:t>Exam</a:t>
+            </a:r>
+            <a:r>
+              <a:rPr lang="it-IT" dirty="0"/>
+              <a:t>?</a:t>
+            </a:r>
+          </a:p>
+        </p:txBody>
+      </p:sp>
+      <p:sp>
+        <p:nvSpPr>
+          <p:cNvPr id="3" name="Content Placeholder 2">
+            <a:extLst>
+              <a:ext uri="{FF2B5EF4-FFF2-40B4-BE49-F238E27FC236}">
+                <a16:creationId xmlns:a16="http://schemas.microsoft.com/office/drawing/2014/main" id="{CBEA8A69-8B87-1341-923C-C94215FF2D4F}"/>
+              </a:ext>
+            </a:extLst>
+          </p:cNvPr>
+          <p:cNvSpPr>
+            <a:spLocks noGrp="1"/>
+          </p:cNvSpPr>
+          <p:nvPr>
+            <p:ph idx="1"/>
+          </p:nvPr>
+        </p:nvSpPr>
+        <p:spPr/>
+        <p:txBody>
+          <a:bodyPr/>
+          <a:lstStyle/>
+          <a:p>
+            <a:r>
+              <a:rPr lang="en-GB" dirty="0"/>
+              <a:t>Yes, there will be a final examination</a:t>
+            </a:r>
+          </a:p>
+          <a:p>
+            <a:r>
+              <a:rPr lang="it-IT" b="1" dirty="0" err="1"/>
+              <a:t>Oral</a:t>
+            </a:r>
+            <a:r>
+              <a:rPr lang="it-IT" b="1" dirty="0"/>
+              <a:t> </a:t>
+            </a:r>
+            <a:r>
+              <a:rPr lang="it-IT" b="1" dirty="0" err="1"/>
+              <a:t>examination</a:t>
+            </a:r>
+            <a:r>
+              <a:rPr lang="it-IT" b="1" dirty="0"/>
+              <a:t> </a:t>
+            </a:r>
+            <a:r>
+              <a:rPr lang="it-IT" dirty="0" err="1"/>
+              <a:t>about</a:t>
+            </a:r>
+            <a:r>
+              <a:rPr lang="it-IT" dirty="0"/>
+              <a:t> OOP and the Java </a:t>
+            </a:r>
+            <a:r>
+              <a:rPr lang="it-IT" dirty="0" err="1"/>
+              <a:t>language</a:t>
+            </a:r>
+            <a:r>
+              <a:rPr lang="it-IT" dirty="0"/>
+              <a:t> (short </a:t>
+            </a:r>
+            <a:r>
+              <a:rPr lang="it-IT" dirty="0" err="1"/>
+              <a:t>written</a:t>
+            </a:r>
+            <a:r>
+              <a:rPr lang="it-IT" dirty="0"/>
+              <a:t> </a:t>
+            </a:r>
+            <a:r>
+              <a:rPr lang="it-IT" dirty="0" err="1"/>
+              <a:t>exercises</a:t>
+            </a:r>
+            <a:r>
+              <a:rPr lang="it-IT" dirty="0"/>
+              <a:t> </a:t>
+            </a:r>
+            <a:r>
+              <a:rPr lang="it-IT" dirty="0" err="1"/>
+              <a:t>might</a:t>
+            </a:r>
+            <a:r>
+              <a:rPr lang="it-IT" dirty="0"/>
+              <a:t> be </a:t>
+            </a:r>
+            <a:r>
+              <a:rPr lang="it-IT" dirty="0" err="1"/>
+              <a:t>used</a:t>
+            </a:r>
+            <a:r>
+              <a:rPr lang="it-IT" dirty="0"/>
+              <a:t>)</a:t>
+            </a:r>
+          </a:p>
+          <a:p>
+            <a:r>
+              <a:rPr lang="it-IT" dirty="0" err="1"/>
+              <a:t>Discussion</a:t>
+            </a:r>
+            <a:r>
+              <a:rPr lang="it-IT" dirty="0"/>
+              <a:t> </a:t>
+            </a:r>
+            <a:r>
+              <a:rPr lang="it-IT" dirty="0" err="1"/>
+              <a:t>about</a:t>
+            </a:r>
+            <a:r>
+              <a:rPr lang="it-IT" dirty="0"/>
+              <a:t> the </a:t>
+            </a:r>
+            <a:r>
+              <a:rPr lang="it-IT" dirty="0" err="1"/>
+              <a:t>structure</a:t>
+            </a:r>
+            <a:r>
+              <a:rPr lang="it-IT" dirty="0"/>
+              <a:t>, the </a:t>
+            </a:r>
+            <a:r>
+              <a:rPr lang="it-IT" dirty="0" err="1"/>
+              <a:t>internals</a:t>
+            </a:r>
+            <a:r>
+              <a:rPr lang="it-IT" dirty="0"/>
+              <a:t> and </a:t>
+            </a:r>
+            <a:r>
+              <a:rPr lang="it-IT" dirty="0" err="1"/>
+              <a:t>engineering</a:t>
+            </a:r>
+            <a:r>
+              <a:rPr lang="it-IT" dirty="0"/>
+              <a:t> </a:t>
+            </a:r>
+            <a:r>
+              <a:rPr lang="it-IT" dirty="0" err="1"/>
+              <a:t>choices</a:t>
+            </a:r>
+            <a:r>
+              <a:rPr lang="it-IT" dirty="0"/>
+              <a:t> of an </a:t>
+            </a:r>
+            <a:r>
+              <a:rPr lang="it-IT" b="1" dirty="0"/>
+              <a:t>home </a:t>
+            </a:r>
+            <a:r>
+              <a:rPr lang="it-IT" b="1" dirty="0" err="1"/>
+              <a:t>project</a:t>
+            </a:r>
+            <a:r>
+              <a:rPr lang="it-IT" b="1" dirty="0"/>
+              <a:t> </a:t>
+            </a:r>
+            <a:r>
+              <a:rPr lang="it-IT" b="1" dirty="0" err="1"/>
+              <a:t>written</a:t>
+            </a:r>
+            <a:r>
+              <a:rPr lang="it-IT" b="1" dirty="0"/>
+              <a:t> in Java (1000-5000 </a:t>
+            </a:r>
+            <a:r>
+              <a:rPr lang="it-IT" b="1" dirty="0" err="1"/>
+              <a:t>lines</a:t>
+            </a:r>
+            <a:r>
+              <a:rPr lang="it-IT" b="1" dirty="0"/>
+              <a:t> of code)</a:t>
+            </a:r>
+          </a:p>
+          <a:p>
+            <a:endParaRPr lang="en-GB" dirty="0"/>
+          </a:p>
+          <a:p>
+            <a:endParaRPr lang="en-GB" dirty="0"/>
+          </a:p>
+        </p:txBody>
+      </p:sp>
+      <p:sp>
+        <p:nvSpPr>
+          <p:cNvPr id="4" name="Slide Number Placeholder 3">
+            <a:extLst>
+              <a:ext uri="{FF2B5EF4-FFF2-40B4-BE49-F238E27FC236}">
+                <a16:creationId xmlns:a16="http://schemas.microsoft.com/office/drawing/2014/main" id="{FD53E815-E075-0C4E-BA9F-A139FEEEBD7D}"/>
+              </a:ext>
+            </a:extLst>
+          </p:cNvPr>
+          <p:cNvSpPr>
+            <a:spLocks noGrp="1"/>
+          </p:cNvSpPr>
+          <p:nvPr>
+            <p:ph type="sldNum" sz="quarter" idx="12"/>
+          </p:nvPr>
+        </p:nvSpPr>
+        <p:spPr/>
+        <p:txBody>
+          <a:bodyPr/>
+          <a:lstStyle/>
+          <a:p>
+            <a:fld id="{D2040F39-7941-49A4-B48D-F201B18B6351}" type="slidenum">
+              <a:rPr lang="it-IT" smtClean="0"/>
+              <a:pPr/>
+              <a:t>6</a:t>
+            </a:fld>
+            <a:endParaRPr lang="it-IT" dirty="0"/>
+          </a:p>
+        </p:txBody>
+      </p:sp>
+    </p:spTree>
+    <p:extLst>
+      <p:ext uri="{BB962C8B-B14F-4D97-AF65-F5344CB8AC3E}">
+        <p14:creationId xmlns:p14="http://schemas.microsoft.com/office/powerpoint/2010/main" val="2046390766"/>
       </p:ext>
     </p:extLst>
   </p:cSld>
